--- a/PPT/AngularJS-08-Petak-Jun-19.pptx
+++ b/PPT/AngularJS-08-Petak-Jun-19.pptx
@@ -5,14 +5,17 @@
     <p:sldMasterId id="2147483648" r:id="rId2"/>
   </p:sldMasterIdLst>
   <p:notesMasterIdLst>
-    <p:notesMasterId r:id="rId8"/>
+    <p:notesMasterId r:id="rId11"/>
   </p:notesMasterIdLst>
   <p:sldIdLst>
     <p:sldId id="256" r:id="rId3"/>
     <p:sldId id="259" r:id="rId4"/>
     <p:sldId id="280" r:id="rId5"/>
-    <p:sldId id="281" r:id="rId6"/>
-    <p:sldId id="279" r:id="rId7"/>
+    <p:sldId id="284" r:id="rId6"/>
+    <p:sldId id="282" r:id="rId7"/>
+    <p:sldId id="281" r:id="rId8"/>
+    <p:sldId id="283" r:id="rId9"/>
+    <p:sldId id="279" r:id="rId10"/>
   </p:sldIdLst>
   <p:sldSz cx="12192000" cy="6858000"/>
   <p:notesSz cx="6858000" cy="9144000"/>
@@ -201,7 +204,7 @@
           <a:p>
             <a:fld id="{5F0EABF2-0DA8-4D73-92C5-4380F4D28A7C}" type="datetimeFigureOut">
               <a:rPr lang="en-US" smtClean="0"/>
-              <a:t>6/8/2015</a:t>
+              <a:t>6/9/2015</a:t>
             </a:fld>
             <a:endParaRPr lang="en-US"/>
           </a:p>
@@ -3524,19 +3527,11 @@
           <a:p>
             <a:r>
               <a:rPr lang="en-US" dirty="0" smtClean="0"/>
-              <a:t>Dan </a:t>
-            </a:r>
-            <a:r>
-              <a:rPr lang="en-US" dirty="0" smtClean="0"/>
-              <a:t>8</a:t>
+              <a:t>Dan 8</a:t>
             </a:r>
             <a:r>
               <a:rPr lang="sr-Latn-RS" dirty="0" smtClean="0"/>
-              <a:t> </a:t>
-            </a:r>
-            <a:r>
-              <a:rPr lang="sr-Latn-RS" dirty="0" smtClean="0"/>
-              <a:t>(od 8)</a:t>
+              <a:t> (od 8)</a:t>
             </a:r>
             <a:endParaRPr lang="en-US" dirty="0"/>
           </a:p>
@@ -3672,7 +3667,6 @@
               <a:rPr lang="en-US" dirty="0" smtClean="0"/>
               <a:t>Movie Search AngularJS App</a:t>
             </a:r>
-            <a:endParaRPr lang="en-US" dirty="0" smtClean="0"/>
           </a:p>
           <a:p>
             <a:endParaRPr lang="en-US" dirty="0"/>
@@ -3947,8 +3941,16 @@
           <a:lstStyle/>
           <a:p>
             <a:r>
+              <a:rPr lang="sr-Latn-RS" dirty="0" err="1" smtClean="0"/>
+              <a:t>AngularJS</a:t>
+            </a:r>
+            <a:r>
               <a:rPr lang="sr-Latn-RS" dirty="0" smtClean="0"/>
-              <a:t>TheMovieDB.org API</a:t>
+              <a:t> specifikacija za </a:t>
+            </a:r>
+            <a:r>
+              <a:rPr lang="sr-Latn-RS" dirty="0" err="1" smtClean="0"/>
+              <a:t>App</a:t>
             </a:r>
             <a:endParaRPr lang="en-US" dirty="0"/>
           </a:p>
@@ -3971,10 +3973,33 @@
           <a:p>
             <a:r>
               <a:rPr lang="sr-Latn-RS" dirty="0" smtClean="0"/>
-              <a:t>Potrebne metode:</a:t>
-            </a:r>
-          </a:p>
-          <a:p>
+              <a:t>SPA koncept</a:t>
+            </a:r>
+          </a:p>
+          <a:p>
+            <a:r>
+              <a:rPr lang="sr-Latn-RS" dirty="0" err="1" smtClean="0"/>
+              <a:t>Rutiranje</a:t>
+            </a:r>
+            <a:endParaRPr lang="sr-Latn-RS" dirty="0" smtClean="0"/>
+          </a:p>
+          <a:p>
+            <a:r>
+              <a:rPr lang="sr-Latn-RS" dirty="0" smtClean="0"/>
+              <a:t>Kontroleri</a:t>
+            </a:r>
+          </a:p>
+          <a:p>
+            <a:r>
+              <a:rPr lang="sr-Latn-RS" dirty="0" smtClean="0"/>
+              <a:t>Servisi</a:t>
+            </a:r>
+          </a:p>
+          <a:p>
+            <a:r>
+              <a:rPr lang="sr-Latn-RS" dirty="0" err="1" smtClean="0"/>
+              <a:t>Pages</a:t>
+            </a:r>
             <a:endParaRPr lang="en-US" dirty="0"/>
           </a:p>
         </p:txBody>
@@ -4028,7 +4053,7 @@
     </p:spTree>
     <p:extLst>
       <p:ext uri="{BB962C8B-B14F-4D97-AF65-F5344CB8AC3E}">
-        <p14:creationId xmlns:p14="http://schemas.microsoft.com/office/powerpoint/2010/main" val="3180428268"/>
+        <p14:creationId xmlns:p14="http://schemas.microsoft.com/office/powerpoint/2010/main" val="27313530"/>
       </p:ext>
     </p:extLst>
   </p:cSld>
@@ -4078,6 +4103,887 @@
           <a:lstStyle/>
           <a:p>
             <a:r>
+              <a:rPr lang="sr-Latn-RS" dirty="0" err="1" smtClean="0"/>
+              <a:t>Screenshots</a:t>
+            </a:r>
+            <a:endParaRPr lang="en-US" dirty="0"/>
+          </a:p>
+        </p:txBody>
+      </p:sp>
+      <p:sp>
+        <p:nvSpPr>
+          <p:cNvPr id="3" name="Content Placeholder 2"/>
+          <p:cNvSpPr>
+            <a:spLocks noGrp="1"/>
+          </p:cNvSpPr>
+          <p:nvPr>
+            <p:ph idx="1"/>
+          </p:nvPr>
+        </p:nvSpPr>
+        <p:spPr/>
+        <p:txBody>
+          <a:bodyPr/>
+          <a:lstStyle/>
+          <a:p>
+            <a:endParaRPr lang="en-US"/>
+          </a:p>
+        </p:txBody>
+      </p:sp>
+      <p:sp>
+        <p:nvSpPr>
+          <p:cNvPr id="4" name="Footer Placeholder 3"/>
+          <p:cNvSpPr>
+            <a:spLocks noGrp="1"/>
+          </p:cNvSpPr>
+          <p:nvPr>
+            <p:ph type="ftr" sz="quarter" idx="11"/>
+          </p:nvPr>
+        </p:nvSpPr>
+        <p:spPr/>
+        <p:txBody>
+          <a:bodyPr/>
+          <a:lstStyle/>
+          <a:p>
+            <a:r>
+              <a:rPr lang="en-US" smtClean="0"/>
+              <a:t>AngularJS </a:t>
+            </a:r>
+            <a:endParaRPr lang="en-US"/>
+          </a:p>
+        </p:txBody>
+      </p:sp>
+      <p:sp>
+        <p:nvSpPr>
+          <p:cNvPr id="5" name="Slide Number Placeholder 4"/>
+          <p:cNvSpPr>
+            <a:spLocks noGrp="1"/>
+          </p:cNvSpPr>
+          <p:nvPr>
+            <p:ph type="sldNum" sz="quarter" idx="12"/>
+          </p:nvPr>
+        </p:nvSpPr>
+        <p:spPr/>
+        <p:txBody>
+          <a:bodyPr/>
+          <a:lstStyle/>
+          <a:p>
+            <a:fld id="{7812BE5C-010D-46E5-838C-00DE8D05F49C}" type="slidenum">
+              <a:rPr lang="en-US" smtClean="0"/>
+              <a:t>5</a:t>
+            </a:fld>
+            <a:endParaRPr lang="en-US"/>
+          </a:p>
+        </p:txBody>
+      </p:sp>
+      <p:pic>
+        <p:nvPicPr>
+          <p:cNvPr id="6" name="Picture 5"/>
+          <p:cNvPicPr>
+            <a:picLocks noChangeAspect="1"/>
+          </p:cNvPicPr>
+          <p:nvPr/>
+        </p:nvPicPr>
+        <p:blipFill>
+          <a:blip r:embed="rId2"/>
+          <a:stretch>
+            <a:fillRect/>
+          </a:stretch>
+        </p:blipFill>
+        <p:spPr>
+          <a:xfrm>
+            <a:off x="838200" y="200389"/>
+            <a:ext cx="6905625" cy="5705475"/>
+          </a:xfrm>
+          <a:prstGeom prst="rect">
+            <a:avLst/>
+          </a:prstGeom>
+        </p:spPr>
+      </p:pic>
+      <p:pic>
+        <p:nvPicPr>
+          <p:cNvPr id="7" name="Picture 6"/>
+          <p:cNvPicPr>
+            <a:picLocks noChangeAspect="1"/>
+          </p:cNvPicPr>
+          <p:nvPr/>
+        </p:nvPicPr>
+        <p:blipFill>
+          <a:blip r:embed="rId3"/>
+          <a:stretch>
+            <a:fillRect/>
+          </a:stretch>
+        </p:blipFill>
+        <p:spPr>
+          <a:xfrm>
+            <a:off x="4674457" y="-98854"/>
+            <a:ext cx="6877050" cy="5915025"/>
+          </a:xfrm>
+          <a:prstGeom prst="rect">
+            <a:avLst/>
+          </a:prstGeom>
+        </p:spPr>
+      </p:pic>
+      <p:pic>
+        <p:nvPicPr>
+          <p:cNvPr id="8" name="Picture 7"/>
+          <p:cNvPicPr>
+            <a:picLocks noChangeAspect="1"/>
+          </p:cNvPicPr>
+          <p:nvPr/>
+        </p:nvPicPr>
+        <p:blipFill>
+          <a:blip r:embed="rId4"/>
+          <a:stretch>
+            <a:fillRect/>
+          </a:stretch>
+        </p:blipFill>
+        <p:spPr>
+          <a:xfrm>
+            <a:off x="2436341" y="-398892"/>
+            <a:ext cx="6705600" cy="6515100"/>
+          </a:xfrm>
+          <a:prstGeom prst="rect">
+            <a:avLst/>
+          </a:prstGeom>
+        </p:spPr>
+      </p:pic>
+    </p:spTree>
+    <p:extLst>
+      <p:ext uri="{BB962C8B-B14F-4D97-AF65-F5344CB8AC3E}">
+        <p14:creationId xmlns:p14="http://schemas.microsoft.com/office/powerpoint/2010/main" val="2519807654"/>
+      </p:ext>
+    </p:extLst>
+  </p:cSld>
+  <p:clrMapOvr>
+    <a:masterClrMapping/>
+  </p:clrMapOvr>
+  <p:timing>
+    <p:tnLst>
+      <p:par>
+        <p:cTn id="1" dur="indefinite" restart="never" nodeType="tmRoot">
+          <p:childTnLst>
+            <p:seq concurrent="1" nextAc="seek">
+              <p:cTn id="2" dur="indefinite" nodeType="mainSeq">
+                <p:childTnLst>
+                  <p:par>
+                    <p:cTn id="3" fill="hold">
+                      <p:stCondLst>
+                        <p:cond delay="indefinite"/>
+                      </p:stCondLst>
+                      <p:childTnLst>
+                        <p:par>
+                          <p:cTn id="4" fill="hold">
+                            <p:stCondLst>
+                              <p:cond delay="0"/>
+                            </p:stCondLst>
+                            <p:childTnLst>
+                              <p:par>
+                                <p:cTn id="5" presetID="2" presetClass="entr" presetSubtype="4" fill="hold" nodeType="clickEffect">
+                                  <p:stCondLst>
+                                    <p:cond delay="0"/>
+                                  </p:stCondLst>
+                                  <p:childTnLst>
+                                    <p:set>
+                                      <p:cBhvr>
+                                        <p:cTn id="6" dur="1" fill="hold">
+                                          <p:stCondLst>
+                                            <p:cond delay="0"/>
+                                          </p:stCondLst>
+                                        </p:cTn>
+                                        <p:tgtEl>
+                                          <p:spTgt spid="6"/>
+                                        </p:tgtEl>
+                                        <p:attrNameLst>
+                                          <p:attrName>style.visibility</p:attrName>
+                                        </p:attrNameLst>
+                                      </p:cBhvr>
+                                      <p:to>
+                                        <p:strVal val="visible"/>
+                                      </p:to>
+                                    </p:set>
+                                    <p:anim calcmode="lin" valueType="num">
+                                      <p:cBhvr additive="base">
+                                        <p:cTn id="7" dur="500" fill="hold"/>
+                                        <p:tgtEl>
+                                          <p:spTgt spid="6"/>
+                                        </p:tgtEl>
+                                        <p:attrNameLst>
+                                          <p:attrName>ppt_x</p:attrName>
+                                        </p:attrNameLst>
+                                      </p:cBhvr>
+                                      <p:tavLst>
+                                        <p:tav tm="0">
+                                          <p:val>
+                                            <p:strVal val="#ppt_x"/>
+                                          </p:val>
+                                        </p:tav>
+                                        <p:tav tm="100000">
+                                          <p:val>
+                                            <p:strVal val="#ppt_x"/>
+                                          </p:val>
+                                        </p:tav>
+                                      </p:tavLst>
+                                    </p:anim>
+                                    <p:anim calcmode="lin" valueType="num">
+                                      <p:cBhvr additive="base">
+                                        <p:cTn id="8" dur="500" fill="hold"/>
+                                        <p:tgtEl>
+                                          <p:spTgt spid="6"/>
+                                        </p:tgtEl>
+                                        <p:attrNameLst>
+                                          <p:attrName>ppt_y</p:attrName>
+                                        </p:attrNameLst>
+                                      </p:cBhvr>
+                                      <p:tavLst>
+                                        <p:tav tm="0">
+                                          <p:val>
+                                            <p:strVal val="1+#ppt_h/2"/>
+                                          </p:val>
+                                        </p:tav>
+                                        <p:tav tm="100000">
+                                          <p:val>
+                                            <p:strVal val="#ppt_y"/>
+                                          </p:val>
+                                        </p:tav>
+                                      </p:tavLst>
+                                    </p:anim>
+                                  </p:childTnLst>
+                                </p:cTn>
+                              </p:par>
+                            </p:childTnLst>
+                          </p:cTn>
+                        </p:par>
+                      </p:childTnLst>
+                    </p:cTn>
+                  </p:par>
+                  <p:par>
+                    <p:cTn id="9" fill="hold">
+                      <p:stCondLst>
+                        <p:cond delay="indefinite"/>
+                      </p:stCondLst>
+                      <p:childTnLst>
+                        <p:par>
+                          <p:cTn id="10" fill="hold">
+                            <p:stCondLst>
+                              <p:cond delay="0"/>
+                            </p:stCondLst>
+                            <p:childTnLst>
+                              <p:par>
+                                <p:cTn id="11" presetID="2" presetClass="entr" presetSubtype="4" fill="hold" nodeType="clickEffect">
+                                  <p:stCondLst>
+                                    <p:cond delay="0"/>
+                                  </p:stCondLst>
+                                  <p:childTnLst>
+                                    <p:set>
+                                      <p:cBhvr>
+                                        <p:cTn id="12" dur="1" fill="hold">
+                                          <p:stCondLst>
+                                            <p:cond delay="0"/>
+                                          </p:stCondLst>
+                                        </p:cTn>
+                                        <p:tgtEl>
+                                          <p:spTgt spid="7"/>
+                                        </p:tgtEl>
+                                        <p:attrNameLst>
+                                          <p:attrName>style.visibility</p:attrName>
+                                        </p:attrNameLst>
+                                      </p:cBhvr>
+                                      <p:to>
+                                        <p:strVal val="visible"/>
+                                      </p:to>
+                                    </p:set>
+                                    <p:anim calcmode="lin" valueType="num">
+                                      <p:cBhvr additive="base">
+                                        <p:cTn id="13" dur="500" fill="hold"/>
+                                        <p:tgtEl>
+                                          <p:spTgt spid="7"/>
+                                        </p:tgtEl>
+                                        <p:attrNameLst>
+                                          <p:attrName>ppt_x</p:attrName>
+                                        </p:attrNameLst>
+                                      </p:cBhvr>
+                                      <p:tavLst>
+                                        <p:tav tm="0">
+                                          <p:val>
+                                            <p:strVal val="#ppt_x"/>
+                                          </p:val>
+                                        </p:tav>
+                                        <p:tav tm="100000">
+                                          <p:val>
+                                            <p:strVal val="#ppt_x"/>
+                                          </p:val>
+                                        </p:tav>
+                                      </p:tavLst>
+                                    </p:anim>
+                                    <p:anim calcmode="lin" valueType="num">
+                                      <p:cBhvr additive="base">
+                                        <p:cTn id="14" dur="500" fill="hold"/>
+                                        <p:tgtEl>
+                                          <p:spTgt spid="7"/>
+                                        </p:tgtEl>
+                                        <p:attrNameLst>
+                                          <p:attrName>ppt_y</p:attrName>
+                                        </p:attrNameLst>
+                                      </p:cBhvr>
+                                      <p:tavLst>
+                                        <p:tav tm="0">
+                                          <p:val>
+                                            <p:strVal val="1+#ppt_h/2"/>
+                                          </p:val>
+                                        </p:tav>
+                                        <p:tav tm="100000">
+                                          <p:val>
+                                            <p:strVal val="#ppt_y"/>
+                                          </p:val>
+                                        </p:tav>
+                                      </p:tavLst>
+                                    </p:anim>
+                                  </p:childTnLst>
+                                </p:cTn>
+                              </p:par>
+                            </p:childTnLst>
+                          </p:cTn>
+                        </p:par>
+                      </p:childTnLst>
+                    </p:cTn>
+                  </p:par>
+                  <p:par>
+                    <p:cTn id="15" fill="hold">
+                      <p:stCondLst>
+                        <p:cond delay="indefinite"/>
+                      </p:stCondLst>
+                      <p:childTnLst>
+                        <p:par>
+                          <p:cTn id="16" fill="hold">
+                            <p:stCondLst>
+                              <p:cond delay="0"/>
+                            </p:stCondLst>
+                            <p:childTnLst>
+                              <p:par>
+                                <p:cTn id="17" presetID="2" presetClass="entr" presetSubtype="4" fill="hold" nodeType="clickEffect">
+                                  <p:stCondLst>
+                                    <p:cond delay="0"/>
+                                  </p:stCondLst>
+                                  <p:childTnLst>
+                                    <p:set>
+                                      <p:cBhvr>
+                                        <p:cTn id="18" dur="1" fill="hold">
+                                          <p:stCondLst>
+                                            <p:cond delay="0"/>
+                                          </p:stCondLst>
+                                        </p:cTn>
+                                        <p:tgtEl>
+                                          <p:spTgt spid="8"/>
+                                        </p:tgtEl>
+                                        <p:attrNameLst>
+                                          <p:attrName>style.visibility</p:attrName>
+                                        </p:attrNameLst>
+                                      </p:cBhvr>
+                                      <p:to>
+                                        <p:strVal val="visible"/>
+                                      </p:to>
+                                    </p:set>
+                                    <p:anim calcmode="lin" valueType="num">
+                                      <p:cBhvr additive="base">
+                                        <p:cTn id="19" dur="500" fill="hold"/>
+                                        <p:tgtEl>
+                                          <p:spTgt spid="8"/>
+                                        </p:tgtEl>
+                                        <p:attrNameLst>
+                                          <p:attrName>ppt_x</p:attrName>
+                                        </p:attrNameLst>
+                                      </p:cBhvr>
+                                      <p:tavLst>
+                                        <p:tav tm="0">
+                                          <p:val>
+                                            <p:strVal val="#ppt_x"/>
+                                          </p:val>
+                                        </p:tav>
+                                        <p:tav tm="100000">
+                                          <p:val>
+                                            <p:strVal val="#ppt_x"/>
+                                          </p:val>
+                                        </p:tav>
+                                      </p:tavLst>
+                                    </p:anim>
+                                    <p:anim calcmode="lin" valueType="num">
+                                      <p:cBhvr additive="base">
+                                        <p:cTn id="20" dur="500" fill="hold"/>
+                                        <p:tgtEl>
+                                          <p:spTgt spid="8"/>
+                                        </p:tgtEl>
+                                        <p:attrNameLst>
+                                          <p:attrName>ppt_y</p:attrName>
+                                        </p:attrNameLst>
+                                      </p:cBhvr>
+                                      <p:tavLst>
+                                        <p:tav tm="0">
+                                          <p:val>
+                                            <p:strVal val="1+#ppt_h/2"/>
+                                          </p:val>
+                                        </p:tav>
+                                        <p:tav tm="100000">
+                                          <p:val>
+                                            <p:strVal val="#ppt_y"/>
+                                          </p:val>
+                                        </p:tav>
+                                      </p:tavLst>
+                                    </p:anim>
+                                  </p:childTnLst>
+                                </p:cTn>
+                              </p:par>
+                            </p:childTnLst>
+                          </p:cTn>
+                        </p:par>
+                      </p:childTnLst>
+                    </p:cTn>
+                  </p:par>
+                </p:childTnLst>
+              </p:cTn>
+              <p:prevCondLst>
+                <p:cond evt="onPrev" delay="0">
+                  <p:tgtEl>
+                    <p:sldTgt/>
+                  </p:tgtEl>
+                </p:cond>
+              </p:prevCondLst>
+              <p:nextCondLst>
+                <p:cond evt="onNext" delay="0">
+                  <p:tgtEl>
+                    <p:sldTgt/>
+                  </p:tgtEl>
+                </p:cond>
+              </p:nextCondLst>
+            </p:seq>
+          </p:childTnLst>
+        </p:cTn>
+      </p:par>
+    </p:tnLst>
+  </p:timing>
+</p:sld>
+</file>
+
+<file path=ppt/slides/slide6.xml><?xml version="1.0" encoding="utf-8"?>
+<p:sld xmlns:a="http://schemas.openxmlformats.org/drawingml/2006/main" xmlns:r="http://schemas.openxmlformats.org/officeDocument/2006/relationships" xmlns:p="http://schemas.openxmlformats.org/presentationml/2006/main">
+  <p:cSld>
+    <p:spTree>
+      <p:nvGrpSpPr>
+        <p:cNvPr id="1" name=""/>
+        <p:cNvGrpSpPr/>
+        <p:nvPr/>
+      </p:nvGrpSpPr>
+      <p:grpSpPr>
+        <a:xfrm>
+          <a:off x="0" y="0"/>
+          <a:ext cx="0" cy="0"/>
+          <a:chOff x="0" y="0"/>
+          <a:chExt cx="0" cy="0"/>
+        </a:xfrm>
+      </p:grpSpPr>
+      <p:sp>
+        <p:nvSpPr>
+          <p:cNvPr id="2" name="Title 1"/>
+          <p:cNvSpPr>
+            <a:spLocks noGrp="1"/>
+          </p:cNvSpPr>
+          <p:nvPr>
+            <p:ph type="title"/>
+          </p:nvPr>
+        </p:nvSpPr>
+        <p:spPr/>
+        <p:txBody>
+          <a:bodyPr/>
+          <a:lstStyle/>
+          <a:p>
+            <a:r>
+              <a:rPr lang="sr-Latn-RS" dirty="0" smtClean="0"/>
+              <a:t>TheMovieDB.org API</a:t>
+            </a:r>
+            <a:endParaRPr lang="en-US" dirty="0"/>
+          </a:p>
+        </p:txBody>
+      </p:sp>
+      <p:sp>
+        <p:nvSpPr>
+          <p:cNvPr id="3" name="Content Placeholder 2"/>
+          <p:cNvSpPr>
+            <a:spLocks noGrp="1"/>
+          </p:cNvSpPr>
+          <p:nvPr>
+            <p:ph idx="1"/>
+          </p:nvPr>
+        </p:nvSpPr>
+        <p:spPr/>
+        <p:txBody>
+          <a:bodyPr/>
+          <a:lstStyle/>
+          <a:p>
+            <a:r>
+              <a:rPr lang="en-US" dirty="0" err="1" smtClean="0"/>
+              <a:t>Za</a:t>
+            </a:r>
+            <a:r>
+              <a:rPr lang="en-US" dirty="0" smtClean="0"/>
+              <a:t> rad </a:t>
+            </a:r>
+            <a:r>
+              <a:rPr lang="en-US" dirty="0" err="1" smtClean="0"/>
+              <a:t>ko</a:t>
+            </a:r>
+            <a:r>
+              <a:rPr lang="en-US" dirty="0" err="1" smtClean="0"/>
+              <a:t>d</a:t>
+            </a:r>
+            <a:r>
+              <a:rPr lang="en-US" dirty="0" smtClean="0"/>
+              <a:t> </a:t>
+            </a:r>
+            <a:r>
+              <a:rPr lang="en-US" dirty="0" err="1" smtClean="0"/>
+              <a:t>ku</a:t>
+            </a:r>
+            <a:r>
+              <a:rPr lang="sr-Latn-RS" dirty="0" smtClean="0"/>
+              <a:t>će potrebno je napraviti </a:t>
+            </a:r>
+            <a:r>
+              <a:rPr lang="sr-Latn-RS" dirty="0" err="1" smtClean="0"/>
+              <a:t>account</a:t>
+            </a:r>
+            <a:r>
+              <a:rPr lang="sr-Latn-RS" dirty="0" smtClean="0"/>
+              <a:t> na:</a:t>
+            </a:r>
+          </a:p>
+          <a:p>
+            <a:r>
+              <a:rPr lang="en-US" dirty="0">
+                <a:hlinkClick r:id="rId2"/>
+              </a:rPr>
+              <a:t>https://</a:t>
+            </a:r>
+            <a:r>
+              <a:rPr lang="en-US" dirty="0" smtClean="0">
+                <a:hlinkClick r:id="rId2"/>
+              </a:rPr>
+              <a:t>www.themoviedb.org/account/signup</a:t>
+            </a:r>
+            <a:r>
+              <a:rPr lang="sr-Latn-RS" dirty="0" smtClean="0"/>
+              <a:t> </a:t>
+            </a:r>
+            <a:endParaRPr lang="en-US" dirty="0"/>
+          </a:p>
+          <a:p>
+            <a:r>
+              <a:rPr lang="sr-Latn-RS" dirty="0" smtClean="0"/>
+              <a:t>Dobićete GUID kao </a:t>
+            </a:r>
+            <a:r>
+              <a:rPr lang="sr-Latn-RS" dirty="0" err="1" smtClean="0"/>
+              <a:t>autentikacioni</a:t>
+            </a:r>
+            <a:r>
+              <a:rPr lang="sr-Latn-RS" dirty="0" smtClean="0"/>
+              <a:t> mehanizam</a:t>
+            </a:r>
+          </a:p>
+          <a:p>
+            <a:r>
+              <a:rPr lang="sr-Latn-RS" dirty="0" smtClean="0"/>
+              <a:t>Svaki </a:t>
+            </a:r>
+            <a:r>
+              <a:rPr lang="sr-Latn-RS" dirty="0" err="1" smtClean="0"/>
+              <a:t>request</a:t>
+            </a:r>
+            <a:r>
+              <a:rPr lang="sr-Latn-RS" dirty="0" smtClean="0"/>
+              <a:t> treba da sadrži vaš GUID</a:t>
+            </a:r>
+          </a:p>
+          <a:p>
+            <a:r>
+              <a:rPr lang="sr-Latn-RS" dirty="0" smtClean="0"/>
+              <a:t>Za potrebe </a:t>
+            </a:r>
+            <a:r>
+              <a:rPr lang="sr-Latn-RS" dirty="0"/>
+              <a:t>DEMO-a </a:t>
+            </a:r>
+            <a:r>
+              <a:rPr lang="sr-Latn-RS" dirty="0" smtClean="0"/>
+              <a:t>koristićemo: </a:t>
+            </a:r>
+            <a:r>
+              <a:rPr lang="sr-Latn-RS" b="1" dirty="0" smtClean="0"/>
+              <a:t>f2c99cf74ese4c4214605f5ac1bc00fc6</a:t>
+            </a:r>
+            <a:endParaRPr lang="en-US" b="1" dirty="0"/>
+          </a:p>
+        </p:txBody>
+      </p:sp>
+      <p:sp>
+        <p:nvSpPr>
+          <p:cNvPr id="4" name="Footer Placeholder 3"/>
+          <p:cNvSpPr>
+            <a:spLocks noGrp="1"/>
+          </p:cNvSpPr>
+          <p:nvPr>
+            <p:ph type="ftr" sz="quarter" idx="11"/>
+          </p:nvPr>
+        </p:nvSpPr>
+        <p:spPr/>
+        <p:txBody>
+          <a:bodyPr/>
+          <a:lstStyle/>
+          <a:p>
+            <a:r>
+              <a:rPr lang="en-US" smtClean="0"/>
+              <a:t>AngularJS </a:t>
+            </a:r>
+            <a:endParaRPr lang="en-US"/>
+          </a:p>
+        </p:txBody>
+      </p:sp>
+      <p:sp>
+        <p:nvSpPr>
+          <p:cNvPr id="5" name="Slide Number Placeholder 4"/>
+          <p:cNvSpPr>
+            <a:spLocks noGrp="1"/>
+          </p:cNvSpPr>
+          <p:nvPr>
+            <p:ph type="sldNum" sz="quarter" idx="12"/>
+          </p:nvPr>
+        </p:nvSpPr>
+        <p:spPr/>
+        <p:txBody>
+          <a:bodyPr/>
+          <a:lstStyle/>
+          <a:p>
+            <a:fld id="{7812BE5C-010D-46E5-838C-00DE8D05F49C}" type="slidenum">
+              <a:rPr lang="en-US" smtClean="0"/>
+              <a:t>6</a:t>
+            </a:fld>
+            <a:endParaRPr lang="en-US"/>
+          </a:p>
+        </p:txBody>
+      </p:sp>
+    </p:spTree>
+    <p:extLst>
+      <p:ext uri="{BB962C8B-B14F-4D97-AF65-F5344CB8AC3E}">
+        <p14:creationId xmlns:p14="http://schemas.microsoft.com/office/powerpoint/2010/main" val="3180428268"/>
+      </p:ext>
+    </p:extLst>
+  </p:cSld>
+  <p:clrMapOvr>
+    <a:masterClrMapping/>
+  </p:clrMapOvr>
+  <p:timing>
+    <p:tnLst>
+      <p:par>
+        <p:cTn id="1" dur="indefinite" restart="never" nodeType="tmRoot"/>
+      </p:par>
+    </p:tnLst>
+  </p:timing>
+</p:sld>
+</file>
+
+<file path=ppt/slides/slide7.xml><?xml version="1.0" encoding="utf-8"?>
+<p:sld xmlns:a="http://schemas.openxmlformats.org/drawingml/2006/main" xmlns:r="http://schemas.openxmlformats.org/officeDocument/2006/relationships" xmlns:p="http://schemas.openxmlformats.org/presentationml/2006/main">
+  <p:cSld>
+    <p:spTree>
+      <p:nvGrpSpPr>
+        <p:cNvPr id="1" name=""/>
+        <p:cNvGrpSpPr/>
+        <p:nvPr/>
+      </p:nvGrpSpPr>
+      <p:grpSpPr>
+        <a:xfrm>
+          <a:off x="0" y="0"/>
+          <a:ext cx="0" cy="0"/>
+          <a:chOff x="0" y="0"/>
+          <a:chExt cx="0" cy="0"/>
+        </a:xfrm>
+      </p:grpSpPr>
+      <p:sp>
+        <p:nvSpPr>
+          <p:cNvPr id="2" name="Title 1"/>
+          <p:cNvSpPr>
+            <a:spLocks noGrp="1"/>
+          </p:cNvSpPr>
+          <p:nvPr>
+            <p:ph type="title"/>
+          </p:nvPr>
+        </p:nvSpPr>
+        <p:spPr/>
+        <p:txBody>
+          <a:bodyPr/>
+          <a:lstStyle/>
+          <a:p>
+            <a:r>
+              <a:rPr lang="sr-Latn-RS" dirty="0" smtClean="0"/>
+              <a:t>Kreiranje aplikacije</a:t>
+            </a:r>
+            <a:endParaRPr lang="en-US" dirty="0"/>
+          </a:p>
+        </p:txBody>
+      </p:sp>
+      <p:sp>
+        <p:nvSpPr>
+          <p:cNvPr id="3" name="Content Placeholder 2"/>
+          <p:cNvSpPr>
+            <a:spLocks noGrp="1"/>
+          </p:cNvSpPr>
+          <p:nvPr>
+            <p:ph idx="1"/>
+          </p:nvPr>
+        </p:nvSpPr>
+        <p:spPr/>
+        <p:txBody>
+          <a:bodyPr/>
+          <a:lstStyle/>
+          <a:p>
+            <a:r>
+              <a:rPr lang="sr-Latn-RS" dirty="0"/>
+              <a:t>i</a:t>
+            </a:r>
+            <a:r>
+              <a:rPr lang="sr-Latn-RS" dirty="0" smtClean="0"/>
+              <a:t>ndex.html</a:t>
+            </a:r>
+          </a:p>
+          <a:p>
+            <a:r>
+              <a:rPr lang="sr-Latn-RS" dirty="0" smtClean="0"/>
+              <a:t>app.js</a:t>
+            </a:r>
+          </a:p>
+          <a:p>
+            <a:r>
+              <a:rPr lang="sr-Latn-RS" dirty="0" smtClean="0"/>
+              <a:t>Folder </a:t>
+            </a:r>
+            <a:r>
+              <a:rPr lang="sr-Latn-RS" dirty="0" err="1" smtClean="0"/>
+              <a:t>Pages</a:t>
+            </a:r>
+            <a:endParaRPr lang="sr-Latn-RS" dirty="0" smtClean="0"/>
+          </a:p>
+          <a:p>
+            <a:r>
+              <a:rPr lang="sr-Latn-RS" dirty="0" smtClean="0"/>
+              <a:t>home.htm</a:t>
+            </a:r>
+          </a:p>
+          <a:p>
+            <a:r>
+              <a:rPr lang="sr-Latn-RS" dirty="0" smtClean="0"/>
+              <a:t>moviePanel.htm</a:t>
+            </a:r>
+            <a:endParaRPr lang="en-US" dirty="0"/>
+          </a:p>
+        </p:txBody>
+      </p:sp>
+      <p:sp>
+        <p:nvSpPr>
+          <p:cNvPr id="4" name="Footer Placeholder 3"/>
+          <p:cNvSpPr>
+            <a:spLocks noGrp="1"/>
+          </p:cNvSpPr>
+          <p:nvPr>
+            <p:ph type="ftr" sz="quarter" idx="11"/>
+          </p:nvPr>
+        </p:nvSpPr>
+        <p:spPr/>
+        <p:txBody>
+          <a:bodyPr/>
+          <a:lstStyle/>
+          <a:p>
+            <a:r>
+              <a:rPr lang="en-US" smtClean="0"/>
+              <a:t>AngularJS </a:t>
+            </a:r>
+            <a:endParaRPr lang="en-US"/>
+          </a:p>
+        </p:txBody>
+      </p:sp>
+      <p:sp>
+        <p:nvSpPr>
+          <p:cNvPr id="5" name="Slide Number Placeholder 4"/>
+          <p:cNvSpPr>
+            <a:spLocks noGrp="1"/>
+          </p:cNvSpPr>
+          <p:nvPr>
+            <p:ph type="sldNum" sz="quarter" idx="12"/>
+          </p:nvPr>
+        </p:nvSpPr>
+        <p:spPr/>
+        <p:txBody>
+          <a:bodyPr/>
+          <a:lstStyle/>
+          <a:p>
+            <a:fld id="{7812BE5C-010D-46E5-838C-00DE8D05F49C}" type="slidenum">
+              <a:rPr lang="en-US" smtClean="0"/>
+              <a:t>7</a:t>
+            </a:fld>
+            <a:endParaRPr lang="en-US"/>
+          </a:p>
+        </p:txBody>
+      </p:sp>
+    </p:spTree>
+    <p:extLst>
+      <p:ext uri="{BB962C8B-B14F-4D97-AF65-F5344CB8AC3E}">
+        <p14:creationId xmlns:p14="http://schemas.microsoft.com/office/powerpoint/2010/main" val="3025307447"/>
+      </p:ext>
+    </p:extLst>
+  </p:cSld>
+  <p:clrMapOvr>
+    <a:masterClrMapping/>
+  </p:clrMapOvr>
+  <p:timing>
+    <p:tnLst>
+      <p:par>
+        <p:cTn id="1" dur="indefinite" restart="never" nodeType="tmRoot"/>
+      </p:par>
+    </p:tnLst>
+  </p:timing>
+</p:sld>
+</file>
+
+<file path=ppt/slides/slide8.xml><?xml version="1.0" encoding="utf-8"?>
+<p:sld xmlns:a="http://schemas.openxmlformats.org/drawingml/2006/main" xmlns:r="http://schemas.openxmlformats.org/officeDocument/2006/relationships" xmlns:p="http://schemas.openxmlformats.org/presentationml/2006/main">
+  <p:cSld>
+    <p:spTree>
+      <p:nvGrpSpPr>
+        <p:cNvPr id="1" name=""/>
+        <p:cNvGrpSpPr/>
+        <p:nvPr/>
+      </p:nvGrpSpPr>
+      <p:grpSpPr>
+        <a:xfrm>
+          <a:off x="0" y="0"/>
+          <a:ext cx="0" cy="0"/>
+          <a:chOff x="0" y="0"/>
+          <a:chExt cx="0" cy="0"/>
+        </a:xfrm>
+      </p:grpSpPr>
+      <p:sp>
+        <p:nvSpPr>
+          <p:cNvPr id="2" name="Title 1"/>
+          <p:cNvSpPr>
+            <a:spLocks noGrp="1"/>
+          </p:cNvSpPr>
+          <p:nvPr>
+            <p:ph type="title"/>
+          </p:nvPr>
+        </p:nvSpPr>
+        <p:spPr/>
+        <p:txBody>
+          <a:bodyPr/>
+          <a:lstStyle/>
+          <a:p>
+            <a:r>
               <a:rPr lang="en-US" dirty="0" err="1" smtClean="0"/>
               <a:t>Hvala</a:t>
             </a:r>
@@ -4218,7 +5124,7 @@
           <a:p>
             <a:fld id="{7812BE5C-010D-46E5-838C-00DE8D05F49C}" type="slidenum">
               <a:rPr lang="en-US" smtClean="0"/>
-              <a:t>5</a:t>
+              <a:t>8</a:t>
             </a:fld>
             <a:endParaRPr lang="en-US" dirty="0"/>
           </a:p>
